--- a/public/assignments/poster-template-b-32x40.pptx
+++ b/public/assignments/poster-template-b-32x40.pptx
@@ -243,7 +243,7 @@
           <a:p>
             <a:fld id="{C74D4ED2-8CCA-4146-B544-7DB418FDC672}" type="datetimeFigureOut">
               <a:rPr lang="en-US" smtClean="0"/>
-              <a:t>2/26/24</a:t>
+              <a:t>11/23/24</a:t>
             </a:fld>
             <a:endParaRPr lang="en-US"/>
           </a:p>
@@ -413,7 +413,7 @@
           <a:p>
             <a:fld id="{C74D4ED2-8CCA-4146-B544-7DB418FDC672}" type="datetimeFigureOut">
               <a:rPr lang="en-US" smtClean="0"/>
-              <a:t>2/26/24</a:t>
+              <a:t>11/23/24</a:t>
             </a:fld>
             <a:endParaRPr lang="en-US"/>
           </a:p>
@@ -593,7 +593,7 @@
           <a:p>
             <a:fld id="{C74D4ED2-8CCA-4146-B544-7DB418FDC672}" type="datetimeFigureOut">
               <a:rPr lang="en-US" smtClean="0"/>
-              <a:t>2/26/24</a:t>
+              <a:t>11/23/24</a:t>
             </a:fld>
             <a:endParaRPr lang="en-US"/>
           </a:p>
@@ -763,7 +763,7 @@
           <a:p>
             <a:fld id="{C74D4ED2-8CCA-4146-B544-7DB418FDC672}" type="datetimeFigureOut">
               <a:rPr lang="en-US" smtClean="0"/>
-              <a:t>2/26/24</a:t>
+              <a:t>11/23/24</a:t>
             </a:fld>
             <a:endParaRPr lang="en-US"/>
           </a:p>
@@ -1007,7 +1007,7 @@
           <a:p>
             <a:fld id="{C74D4ED2-8CCA-4146-B544-7DB418FDC672}" type="datetimeFigureOut">
               <a:rPr lang="en-US" smtClean="0"/>
-              <a:t>2/26/24</a:t>
+              <a:t>11/23/24</a:t>
             </a:fld>
             <a:endParaRPr lang="en-US"/>
           </a:p>
@@ -1239,7 +1239,7 @@
           <a:p>
             <a:fld id="{C74D4ED2-8CCA-4146-B544-7DB418FDC672}" type="datetimeFigureOut">
               <a:rPr lang="en-US" smtClean="0"/>
-              <a:t>2/26/24</a:t>
+              <a:t>11/23/24</a:t>
             </a:fld>
             <a:endParaRPr lang="en-US"/>
           </a:p>
@@ -1606,7 +1606,7 @@
           <a:p>
             <a:fld id="{C74D4ED2-8CCA-4146-B544-7DB418FDC672}" type="datetimeFigureOut">
               <a:rPr lang="en-US" smtClean="0"/>
-              <a:t>2/26/24</a:t>
+              <a:t>11/23/24</a:t>
             </a:fld>
             <a:endParaRPr lang="en-US"/>
           </a:p>
@@ -1724,7 +1724,7 @@
           <a:p>
             <a:fld id="{C74D4ED2-8CCA-4146-B544-7DB418FDC672}" type="datetimeFigureOut">
               <a:rPr lang="en-US" smtClean="0"/>
-              <a:t>2/26/24</a:t>
+              <a:t>11/23/24</a:t>
             </a:fld>
             <a:endParaRPr lang="en-US"/>
           </a:p>
@@ -1819,7 +1819,7 @@
           <a:p>
             <a:fld id="{C74D4ED2-8CCA-4146-B544-7DB418FDC672}" type="datetimeFigureOut">
               <a:rPr lang="en-US" smtClean="0"/>
-              <a:t>2/26/24</a:t>
+              <a:t>11/23/24</a:t>
             </a:fld>
             <a:endParaRPr lang="en-US"/>
           </a:p>
@@ -2096,7 +2096,7 @@
           <a:p>
             <a:fld id="{C74D4ED2-8CCA-4146-B544-7DB418FDC672}" type="datetimeFigureOut">
               <a:rPr lang="en-US" smtClean="0"/>
-              <a:t>2/26/24</a:t>
+              <a:t>11/23/24</a:t>
             </a:fld>
             <a:endParaRPr lang="en-US"/>
           </a:p>
@@ -2353,7 +2353,7 @@
           <a:p>
             <a:fld id="{C74D4ED2-8CCA-4146-B544-7DB418FDC672}" type="datetimeFigureOut">
               <a:rPr lang="en-US" smtClean="0"/>
-              <a:t>2/26/24</a:t>
+              <a:t>11/23/24</a:t>
             </a:fld>
             <a:endParaRPr lang="en-US"/>
           </a:p>
@@ -2566,7 +2566,7 @@
           <a:p>
             <a:fld id="{C74D4ED2-8CCA-4146-B544-7DB418FDC672}" type="datetimeFigureOut">
               <a:rPr lang="en-US" smtClean="0"/>
-              <a:t>2/26/24</a:t>
+              <a:t>11/23/24</a:t>
             </a:fld>
             <a:endParaRPr lang="en-US"/>
           </a:p>
@@ -3566,294 +3566,6 @@
           </a:prstGeom>
         </p:spPr>
       </p:pic>
-      <p:sp>
-        <p:nvSpPr>
-          <p:cNvPr id="31" name="object 46">
-            <a:extLst>
-              <a:ext uri="{FF2B5EF4-FFF2-40B4-BE49-F238E27FC236}">
-                <a16:creationId xmlns:a16="http://schemas.microsoft.com/office/drawing/2014/main" id="{3C3E23F3-DD5A-99E3-2FE3-5CD6E6716107}"/>
-              </a:ext>
-            </a:extLst>
-          </p:cNvPr>
-          <p:cNvSpPr/>
-          <p:nvPr/>
-        </p:nvSpPr>
-        <p:spPr>
-          <a:xfrm>
-            <a:off x="9708663" y="31531844"/>
-            <a:ext cx="1241675" cy="1150943"/>
-          </a:xfrm>
-          <a:custGeom>
-            <a:avLst/>
-            <a:gdLst/>
-            <a:ahLst/>
-            <a:cxnLst>
-              <a:cxn ang="0">
-                <a:pos x="wd2" y="hd2"/>
-              </a:cxn>
-              <a:cxn ang="5400000">
-                <a:pos x="wd2" y="hd2"/>
-              </a:cxn>
-              <a:cxn ang="10800000">
-                <a:pos x="wd2" y="hd2"/>
-              </a:cxn>
-              <a:cxn ang="16200000">
-                <a:pos x="wd2" y="hd2"/>
-              </a:cxn>
-            </a:cxnLst>
-            <a:rect l="0" t="0" r="r" b="b"/>
-            <a:pathLst>
-              <a:path w="21600" h="21600" extrusionOk="0">
-                <a:moveTo>
-                  <a:pt x="11042" y="0"/>
-                </a:moveTo>
-                <a:lnTo>
-                  <a:pt x="10804" y="0"/>
-                </a:lnTo>
-                <a:lnTo>
-                  <a:pt x="10450" y="35"/>
-                </a:lnTo>
-                <a:lnTo>
-                  <a:pt x="9358" y="697"/>
-                </a:lnTo>
-                <a:lnTo>
-                  <a:pt x="8996" y="1569"/>
-                </a:lnTo>
-                <a:lnTo>
-                  <a:pt x="8996" y="1806"/>
-                </a:lnTo>
-                <a:lnTo>
-                  <a:pt x="9526" y="3083"/>
-                </a:lnTo>
-                <a:lnTo>
-                  <a:pt x="15468" y="9000"/>
-                </a:lnTo>
-                <a:lnTo>
-                  <a:pt x="1801" y="9000"/>
-                </a:lnTo>
-                <a:lnTo>
-                  <a:pt x="527" y="9527"/>
-                </a:lnTo>
-                <a:lnTo>
-                  <a:pt x="0" y="10798"/>
-                </a:lnTo>
-                <a:lnTo>
-                  <a:pt x="35" y="11151"/>
-                </a:lnTo>
-                <a:lnTo>
-                  <a:pt x="802" y="12295"/>
-                </a:lnTo>
-                <a:lnTo>
-                  <a:pt x="1801" y="12597"/>
-                </a:lnTo>
-                <a:lnTo>
-                  <a:pt x="15468" y="12597"/>
-                </a:lnTo>
-                <a:lnTo>
-                  <a:pt x="9357" y="18681"/>
-                </a:lnTo>
-                <a:lnTo>
-                  <a:pt x="9223" y="18880"/>
-                </a:lnTo>
-                <a:lnTo>
-                  <a:pt x="9040" y="19319"/>
-                </a:lnTo>
-                <a:lnTo>
-                  <a:pt x="8993" y="19554"/>
-                </a:lnTo>
-                <a:lnTo>
-                  <a:pt x="8993" y="20028"/>
-                </a:lnTo>
-                <a:lnTo>
-                  <a:pt x="9693" y="21237"/>
-                </a:lnTo>
-                <a:lnTo>
-                  <a:pt x="10567" y="21600"/>
-                </a:lnTo>
-                <a:lnTo>
-                  <a:pt x="11042" y="21600"/>
-                </a:lnTo>
-                <a:lnTo>
-                  <a:pt x="21087" y="12075"/>
-                </a:lnTo>
-                <a:lnTo>
-                  <a:pt x="21600" y="10798"/>
-                </a:lnTo>
-                <a:lnTo>
-                  <a:pt x="21566" y="10452"/>
-                </a:lnTo>
-                <a:lnTo>
-                  <a:pt x="11915" y="361"/>
-                </a:lnTo>
-                <a:lnTo>
-                  <a:pt x="11277" y="47"/>
-                </a:lnTo>
-                <a:lnTo>
-                  <a:pt x="11042" y="0"/>
-                </a:lnTo>
-                <a:close/>
-              </a:path>
-            </a:pathLst>
-          </a:custGeom>
-          <a:solidFill>
-            <a:srgbClr val="000000"/>
-          </a:solidFill>
-          <a:ln w="12700">
-            <a:miter lim="400000"/>
-          </a:ln>
-        </p:spPr>
-        <p:txBody>
-          <a:bodyPr lIns="45719" rIns="45719"/>
-          <a:lstStyle/>
-          <a:p>
-            <a:endParaRPr/>
-          </a:p>
-        </p:txBody>
-      </p:sp>
-      <p:sp>
-        <p:nvSpPr>
-          <p:cNvPr id="32" name="object 47">
-            <a:extLst>
-              <a:ext uri="{FF2B5EF4-FFF2-40B4-BE49-F238E27FC236}">
-                <a16:creationId xmlns:a16="http://schemas.microsoft.com/office/drawing/2014/main" id="{2B1308CB-60F6-7C5A-52C2-10FEAFB83DC1}"/>
-              </a:ext>
-            </a:extLst>
-          </p:cNvPr>
-          <p:cNvSpPr/>
-          <p:nvPr/>
-        </p:nvSpPr>
-        <p:spPr>
-          <a:xfrm>
-            <a:off x="18234099" y="31531844"/>
-            <a:ext cx="1241675" cy="1150943"/>
-          </a:xfrm>
-          <a:custGeom>
-            <a:avLst/>
-            <a:gdLst/>
-            <a:ahLst/>
-            <a:cxnLst>
-              <a:cxn ang="0">
-                <a:pos x="wd2" y="hd2"/>
-              </a:cxn>
-              <a:cxn ang="5400000">
-                <a:pos x="wd2" y="hd2"/>
-              </a:cxn>
-              <a:cxn ang="10800000">
-                <a:pos x="wd2" y="hd2"/>
-              </a:cxn>
-              <a:cxn ang="16200000">
-                <a:pos x="wd2" y="hd2"/>
-              </a:cxn>
-            </a:cxnLst>
-            <a:rect l="0" t="0" r="r" b="b"/>
-            <a:pathLst>
-              <a:path w="21600" h="21600" extrusionOk="0">
-                <a:moveTo>
-                  <a:pt x="11042" y="0"/>
-                </a:moveTo>
-                <a:lnTo>
-                  <a:pt x="10804" y="0"/>
-                </a:lnTo>
-                <a:lnTo>
-                  <a:pt x="10450" y="35"/>
-                </a:lnTo>
-                <a:lnTo>
-                  <a:pt x="9358" y="697"/>
-                </a:lnTo>
-                <a:lnTo>
-                  <a:pt x="8996" y="1569"/>
-                </a:lnTo>
-                <a:lnTo>
-                  <a:pt x="8996" y="1806"/>
-                </a:lnTo>
-                <a:lnTo>
-                  <a:pt x="9526" y="3083"/>
-                </a:lnTo>
-                <a:lnTo>
-                  <a:pt x="15468" y="9000"/>
-                </a:lnTo>
-                <a:lnTo>
-                  <a:pt x="1801" y="9000"/>
-                </a:lnTo>
-                <a:lnTo>
-                  <a:pt x="527" y="9527"/>
-                </a:lnTo>
-                <a:lnTo>
-                  <a:pt x="0" y="10798"/>
-                </a:lnTo>
-                <a:lnTo>
-                  <a:pt x="35" y="11151"/>
-                </a:lnTo>
-                <a:lnTo>
-                  <a:pt x="802" y="12295"/>
-                </a:lnTo>
-                <a:lnTo>
-                  <a:pt x="1801" y="12597"/>
-                </a:lnTo>
-                <a:lnTo>
-                  <a:pt x="15468" y="12597"/>
-                </a:lnTo>
-                <a:lnTo>
-                  <a:pt x="9357" y="18681"/>
-                </a:lnTo>
-                <a:lnTo>
-                  <a:pt x="9223" y="18880"/>
-                </a:lnTo>
-                <a:lnTo>
-                  <a:pt x="9040" y="19319"/>
-                </a:lnTo>
-                <a:lnTo>
-                  <a:pt x="8993" y="19554"/>
-                </a:lnTo>
-                <a:lnTo>
-                  <a:pt x="8993" y="20028"/>
-                </a:lnTo>
-                <a:lnTo>
-                  <a:pt x="9693" y="21237"/>
-                </a:lnTo>
-                <a:lnTo>
-                  <a:pt x="10567" y="21600"/>
-                </a:lnTo>
-                <a:lnTo>
-                  <a:pt x="11042" y="21600"/>
-                </a:lnTo>
-                <a:lnTo>
-                  <a:pt x="21087" y="12075"/>
-                </a:lnTo>
-                <a:lnTo>
-                  <a:pt x="21600" y="10798"/>
-                </a:lnTo>
-                <a:lnTo>
-                  <a:pt x="21566" y="10452"/>
-                </a:lnTo>
-                <a:lnTo>
-                  <a:pt x="11915" y="361"/>
-                </a:lnTo>
-                <a:lnTo>
-                  <a:pt x="11277" y="47"/>
-                </a:lnTo>
-                <a:lnTo>
-                  <a:pt x="11042" y="0"/>
-                </a:lnTo>
-                <a:close/>
-              </a:path>
-            </a:pathLst>
-          </a:custGeom>
-          <a:solidFill>
-            <a:srgbClr val="000000"/>
-          </a:solidFill>
-          <a:ln w="12700">
-            <a:miter lim="400000"/>
-          </a:ln>
-        </p:spPr>
-        <p:txBody>
-          <a:bodyPr lIns="45719" rIns="45719"/>
-          <a:lstStyle/>
-          <a:p>
-            <a:endParaRPr/>
-          </a:p>
-        </p:txBody>
-      </p:sp>
       <p:pic>
         <p:nvPicPr>
           <p:cNvPr id="36" name="Graphic 35" descr="Rubber duck outline">
@@ -4286,7 +3998,7 @@
         <p:spPr>
           <a:xfrm>
             <a:off x="1427407" y="12250272"/>
-            <a:ext cx="6509373" cy="1148634"/>
+            <a:ext cx="6509373" cy="1015662"/>
           </a:xfrm>
           <a:prstGeom prst="rect">
             <a:avLst/>
@@ -4320,7 +4032,7 @@
             <a:pPr defTabSz="914264"/>
             <a:r>
               <a:rPr lang="en-US" sz="6000" b="1" dirty="0"/>
-              <a:t>Our Solution</a:t>
+              <a:t>Our Approach</a:t>
             </a:r>
           </a:p>
         </p:txBody>
@@ -4342,7 +4054,7 @@
         <p:spPr>
           <a:xfrm>
             <a:off x="1427407" y="27451930"/>
-            <a:ext cx="6509373" cy="1148634"/>
+            <a:ext cx="6509373" cy="1015662"/>
           </a:xfrm>
           <a:prstGeom prst="rect">
             <a:avLst/>
@@ -4376,7 +4088,7 @@
             <a:pPr defTabSz="914264"/>
             <a:r>
               <a:rPr lang="en-US" sz="6000" b="1" dirty="0"/>
-              <a:t>Design Process</a:t>
+              <a:t>Key Insights</a:t>
             </a:r>
           </a:p>
         </p:txBody>
